--- a/src/test/resources/org/sikuli/slides/api/dragdrop.pptx
+++ b/src/test/resources/org/sikuli/slides/api/dragdrop.pptx
@@ -290,7 +290,7 @@
           <a:p>
             <a:fld id="{78F59AB8-CBCB-1945-8607-7885F3F395E3}" type="datetimeFigureOut">
               <a:rPr lang="en-US" smtClean="0"/>
-              <a:t>8/12/13</a:t>
+              <a:t>10/27/13</a:t>
             </a:fld>
             <a:endParaRPr lang="en-US"/>
           </a:p>
@@ -460,7 +460,7 @@
           <a:p>
             <a:fld id="{78F59AB8-CBCB-1945-8607-7885F3F395E3}" type="datetimeFigureOut">
               <a:rPr lang="en-US" smtClean="0"/>
-              <a:t>8/12/13</a:t>
+              <a:t>10/27/13</a:t>
             </a:fld>
             <a:endParaRPr lang="en-US"/>
           </a:p>
@@ -640,7 +640,7 @@
           <a:p>
             <a:fld id="{78F59AB8-CBCB-1945-8607-7885F3F395E3}" type="datetimeFigureOut">
               <a:rPr lang="en-US" smtClean="0"/>
-              <a:t>8/12/13</a:t>
+              <a:t>10/27/13</a:t>
             </a:fld>
             <a:endParaRPr lang="en-US"/>
           </a:p>
@@ -810,7 +810,7 @@
           <a:p>
             <a:fld id="{78F59AB8-CBCB-1945-8607-7885F3F395E3}" type="datetimeFigureOut">
               <a:rPr lang="en-US" smtClean="0"/>
-              <a:t>8/12/13</a:t>
+              <a:t>10/27/13</a:t>
             </a:fld>
             <a:endParaRPr lang="en-US"/>
           </a:p>
@@ -1056,7 +1056,7 @@
           <a:p>
             <a:fld id="{78F59AB8-CBCB-1945-8607-7885F3F395E3}" type="datetimeFigureOut">
               <a:rPr lang="en-US" smtClean="0"/>
-              <a:t>8/12/13</a:t>
+              <a:t>10/27/13</a:t>
             </a:fld>
             <a:endParaRPr lang="en-US"/>
           </a:p>
@@ -1344,7 +1344,7 @@
           <a:p>
             <a:fld id="{78F59AB8-CBCB-1945-8607-7885F3F395E3}" type="datetimeFigureOut">
               <a:rPr lang="en-US" smtClean="0"/>
-              <a:t>8/12/13</a:t>
+              <a:t>10/27/13</a:t>
             </a:fld>
             <a:endParaRPr lang="en-US"/>
           </a:p>
@@ -1766,7 +1766,7 @@
           <a:p>
             <a:fld id="{78F59AB8-CBCB-1945-8607-7885F3F395E3}" type="datetimeFigureOut">
               <a:rPr lang="en-US" smtClean="0"/>
-              <a:t>8/12/13</a:t>
+              <a:t>10/27/13</a:t>
             </a:fld>
             <a:endParaRPr lang="en-US"/>
           </a:p>
@@ -1884,7 +1884,7 @@
           <a:p>
             <a:fld id="{78F59AB8-CBCB-1945-8607-7885F3F395E3}" type="datetimeFigureOut">
               <a:rPr lang="en-US" smtClean="0"/>
-              <a:t>8/12/13</a:t>
+              <a:t>10/27/13</a:t>
             </a:fld>
             <a:endParaRPr lang="en-US"/>
           </a:p>
@@ -1979,7 +1979,7 @@
           <a:p>
             <a:fld id="{78F59AB8-CBCB-1945-8607-7885F3F395E3}" type="datetimeFigureOut">
               <a:rPr lang="en-US" smtClean="0"/>
-              <a:t>8/12/13</a:t>
+              <a:t>10/27/13</a:t>
             </a:fld>
             <a:endParaRPr lang="en-US"/>
           </a:p>
@@ -2256,7 +2256,7 @@
           <a:p>
             <a:fld id="{78F59AB8-CBCB-1945-8607-7885F3F395E3}" type="datetimeFigureOut">
               <a:rPr lang="en-US" smtClean="0"/>
-              <a:t>8/12/13</a:t>
+              <a:t>10/27/13</a:t>
             </a:fld>
             <a:endParaRPr lang="en-US"/>
           </a:p>
@@ -2509,7 +2509,7 @@
           <a:p>
             <a:fld id="{78F59AB8-CBCB-1945-8607-7885F3F395E3}" type="datetimeFigureOut">
               <a:rPr lang="en-US" smtClean="0"/>
-              <a:t>8/12/13</a:t>
+              <a:t>10/27/13</a:t>
             </a:fld>
             <a:endParaRPr lang="en-US"/>
           </a:p>
@@ -2722,7 +2722,7 @@
           <a:p>
             <a:fld id="{78F59AB8-CBCB-1945-8607-7885F3F395E3}" type="datetimeFigureOut">
               <a:rPr lang="en-US" smtClean="0"/>
-              <a:t>8/12/13</a:t>
+              <a:t>10/27/13</a:t>
             </a:fld>
             <a:endParaRPr lang="en-US"/>
           </a:p>
